--- a/Part11 项目（完结）/项目.pptx
+++ b/Part11 项目（完结）/项目.pptx
@@ -5,12 +5,16 @@
     <p:sldMasterId id="2147483648" r:id="rId1"/>
   </p:sldMasterIdLst>
   <p:notesMasterIdLst>
-    <p:notesMasterId r:id="rId5"/>
+    <p:notesMasterId r:id="rId4"/>
   </p:notesMasterIdLst>
   <p:sldIdLst>
-    <p:sldId id="256" r:id="rId2"/>
-    <p:sldId id="257" r:id="rId3"/>
-    <p:sldId id="290" r:id="rId4"/>
+    <p:sldId id="256" r:id="rId3"/>
+    <p:sldId id="257" r:id="rId5"/>
+    <p:sldId id="286" r:id="rId6"/>
+    <p:sldId id="288" r:id="rId7"/>
+    <p:sldId id="290" r:id="rId8"/>
+    <p:sldId id="289" r:id="rId9"/>
+    <p:sldId id="287" r:id="rId10"/>
   </p:sldIdLst>
   <p:sldSz cx="12192000" cy="6858000"/>
   <p:notesSz cx="6858000" cy="9144000"/>
@@ -109,11 +113,6 @@
       </a:defRPr>
     </a:lvl9pPr>
   </p:defaultTextStyle>
-  <p:extLst>
-    <p:ext uri="{EFAFB233-063F-42B5-8137-9DF3F51BA10A}">
-      <p15:sldGuideLst xmlns:p15="http://schemas.microsoft.com/office/powerpoint/2012/main"/>
-    </p:ext>
-  </p:extLst>
 </p:presentation>
 </file>
 
@@ -199,7 +198,6 @@
           <a:p>
             <a:fld id="{D2A48B96-639E-45A3-A0BA-2464DFDB1FAA}" type="datetimeFigureOut">
               <a:rPr lang="zh-CN" altLang="en-US" smtClean="0"/>
-              <a:t>2021/2/10</a:t>
             </a:fld>
             <a:endParaRPr lang="zh-CN" altLang="en-US"/>
           </a:p>
@@ -263,37 +261,42 @@
           <a:p>
             <a:pPr lvl="0"/>
             <a:r>
-              <a:rPr lang="zh-CN" altLang="en-US"/>
+              <a:rPr lang="zh-CN" altLang="en-US" smtClean="0"/>
               <a:t>单击此处编辑母版文本样式</a:t>
             </a:r>
+            <a:endParaRPr lang="zh-CN" altLang="en-US" smtClean="0"/>
           </a:p>
           <a:p>
             <a:pPr lvl="1"/>
             <a:r>
-              <a:rPr lang="zh-CN" altLang="en-US"/>
+              <a:rPr lang="zh-CN" altLang="en-US" smtClean="0"/>
               <a:t>第二级</a:t>
             </a:r>
+            <a:endParaRPr lang="zh-CN" altLang="en-US" smtClean="0"/>
           </a:p>
           <a:p>
             <a:pPr lvl="2"/>
             <a:r>
-              <a:rPr lang="zh-CN" altLang="en-US"/>
+              <a:rPr lang="zh-CN" altLang="en-US" smtClean="0"/>
               <a:t>第三级</a:t>
             </a:r>
+            <a:endParaRPr lang="zh-CN" altLang="en-US" smtClean="0"/>
           </a:p>
           <a:p>
             <a:pPr lvl="3"/>
             <a:r>
-              <a:rPr lang="zh-CN" altLang="en-US"/>
+              <a:rPr lang="zh-CN" altLang="en-US" smtClean="0"/>
               <a:t>第四级</a:t>
             </a:r>
+            <a:endParaRPr lang="zh-CN" altLang="en-US" smtClean="0"/>
           </a:p>
           <a:p>
             <a:pPr lvl="4"/>
             <a:r>
-              <a:rPr lang="zh-CN" altLang="en-US"/>
+              <a:rPr lang="zh-CN" altLang="en-US" smtClean="0"/>
               <a:t>第五级</a:t>
             </a:r>
+            <a:endParaRPr lang="zh-CN" altLang="en-US"/>
           </a:p>
         </p:txBody>
       </p:sp>
@@ -357,7 +360,6 @@
           <a:p>
             <a:fld id="{A6837353-30EB-4A48-80EB-173D804AEFBD}" type="slidenum">
               <a:rPr lang="zh-CN" altLang="en-US" smtClean="0"/>
-              <a:t>‹#›</a:t>
             </a:fld>
             <a:endParaRPr lang="zh-CN" altLang="en-US"/>
           </a:p>
@@ -470,20 +472,11 @@
         <p:cNvGrpSpPr/>
         <p:nvPr/>
       </p:nvGrpSpPr>
-      <p:grpSpPr>
-        <a:xfrm>
-          <a:off x="0" y="0"/>
-          <a:ext cx="0" cy="0"/>
-          <a:chOff x="0" y="0"/>
-          <a:chExt cx="0" cy="0"/>
-        </a:xfrm>
-      </p:grpSpPr>
+      <p:grpSpPr/>
       <p:sp>
         <p:nvSpPr>
           <p:cNvPr id="2" name="幻灯片图像占位符 1"/>
-          <p:cNvSpPr>
-            <a:spLocks noGrp="1" noRot="1" noChangeAspect="1"/>
-          </p:cNvSpPr>
+          <p:cNvSpPr/>
           <p:nvPr>
             <p:ph type="sldImg" idx="2"/>
           </p:nvPr>
@@ -493,9 +486,7 @@
       <p:sp>
         <p:nvSpPr>
           <p:cNvPr id="3" name="文本占位符 2"/>
-          <p:cNvSpPr>
-            <a:spLocks noGrp="1"/>
-          </p:cNvSpPr>
+          <p:cNvSpPr/>
           <p:nvPr>
             <p:ph type="body" idx="3"/>
           </p:nvPr>
@@ -503,7 +494,6 @@
         <p:spPr/>
         <p:txBody>
           <a:bodyPr/>
-          <a:lstStyle/>
           <a:p>
             <a:endParaRPr lang="zh-CN" altLang="en-US"/>
           </a:p>
@@ -526,20 +516,11 @@
         <p:cNvGrpSpPr/>
         <p:nvPr/>
       </p:nvGrpSpPr>
-      <p:grpSpPr>
-        <a:xfrm>
-          <a:off x="0" y="0"/>
-          <a:ext cx="0" cy="0"/>
-          <a:chOff x="0" y="0"/>
-          <a:chExt cx="0" cy="0"/>
-        </a:xfrm>
-      </p:grpSpPr>
+      <p:grpSpPr/>
       <p:sp>
         <p:nvSpPr>
           <p:cNvPr id="2" name="幻灯片图像占位符 1"/>
-          <p:cNvSpPr>
-            <a:spLocks noGrp="1" noRot="1" noChangeAspect="1"/>
-          </p:cNvSpPr>
+          <p:cNvSpPr/>
           <p:nvPr>
             <p:ph type="sldImg" idx="2"/>
           </p:nvPr>
@@ -549,9 +530,7 @@
       <p:sp>
         <p:nvSpPr>
           <p:cNvPr id="3" name="文本占位符 2"/>
-          <p:cNvSpPr>
-            <a:spLocks noGrp="1"/>
-          </p:cNvSpPr>
+          <p:cNvSpPr/>
           <p:nvPr>
             <p:ph type="body" idx="3"/>
           </p:nvPr>
@@ -559,7 +538,182 @@
         <p:spPr/>
         <p:txBody>
           <a:bodyPr/>
-          <a:lstStyle/>
+          <a:p>
+            <a:endParaRPr lang="zh-CN" altLang="en-US"/>
+          </a:p>
+        </p:txBody>
+      </p:sp>
+    </p:spTree>
+  </p:cSld>
+  <p:clrMapOvr>
+    <a:masterClrMapping/>
+  </p:clrMapOvr>
+</p:notes>
+</file>
+
+<file path=ppt/notesSlides/notesSlide3.xml><?xml version="1.0" encoding="utf-8"?>
+<p:notes xmlns:a="http://schemas.openxmlformats.org/drawingml/2006/main" xmlns:r="http://schemas.openxmlformats.org/officeDocument/2006/relationships" xmlns:p="http://schemas.openxmlformats.org/presentationml/2006/main">
+  <p:cSld>
+    <p:spTree>
+      <p:nvGrpSpPr>
+        <p:cNvPr id="1" name=""/>
+        <p:cNvGrpSpPr/>
+        <p:nvPr/>
+      </p:nvGrpSpPr>
+      <p:grpSpPr/>
+      <p:sp>
+        <p:nvSpPr>
+          <p:cNvPr id="2" name="幻灯片图像占位符 1"/>
+          <p:cNvSpPr/>
+          <p:nvPr>
+            <p:ph type="sldImg" idx="2"/>
+          </p:nvPr>
+        </p:nvSpPr>
+        <p:spPr/>
+      </p:sp>
+      <p:sp>
+        <p:nvSpPr>
+          <p:cNvPr id="3" name="文本占位符 2"/>
+          <p:cNvSpPr/>
+          <p:nvPr>
+            <p:ph type="body" idx="3"/>
+          </p:nvPr>
+        </p:nvSpPr>
+        <p:spPr/>
+        <p:txBody>
+          <a:bodyPr/>
+          <a:p>
+            <a:endParaRPr lang="zh-CN" altLang="en-US"/>
+          </a:p>
+        </p:txBody>
+      </p:sp>
+    </p:spTree>
+  </p:cSld>
+  <p:clrMapOvr>
+    <a:masterClrMapping/>
+  </p:clrMapOvr>
+</p:notes>
+</file>
+
+<file path=ppt/notesSlides/notesSlide4.xml><?xml version="1.0" encoding="utf-8"?>
+<p:notes xmlns:a="http://schemas.openxmlformats.org/drawingml/2006/main" xmlns:r="http://schemas.openxmlformats.org/officeDocument/2006/relationships" xmlns:p="http://schemas.openxmlformats.org/presentationml/2006/main">
+  <p:cSld>
+    <p:spTree>
+      <p:nvGrpSpPr>
+        <p:cNvPr id="1" name=""/>
+        <p:cNvGrpSpPr/>
+        <p:nvPr/>
+      </p:nvGrpSpPr>
+      <p:grpSpPr/>
+      <p:sp>
+        <p:nvSpPr>
+          <p:cNvPr id="2" name="幻灯片图像占位符 1"/>
+          <p:cNvSpPr/>
+          <p:nvPr>
+            <p:ph type="sldImg" idx="2"/>
+          </p:nvPr>
+        </p:nvSpPr>
+        <p:spPr/>
+      </p:sp>
+      <p:sp>
+        <p:nvSpPr>
+          <p:cNvPr id="3" name="文本占位符 2"/>
+          <p:cNvSpPr/>
+          <p:nvPr>
+            <p:ph type="body" idx="3"/>
+          </p:nvPr>
+        </p:nvSpPr>
+        <p:spPr/>
+        <p:txBody>
+          <a:bodyPr/>
+          <a:p>
+            <a:endParaRPr lang="zh-CN" altLang="en-US"/>
+          </a:p>
+        </p:txBody>
+      </p:sp>
+    </p:spTree>
+  </p:cSld>
+  <p:clrMapOvr>
+    <a:masterClrMapping/>
+  </p:clrMapOvr>
+</p:notes>
+</file>
+
+<file path=ppt/notesSlides/notesSlide5.xml><?xml version="1.0" encoding="utf-8"?>
+<p:notes xmlns:a="http://schemas.openxmlformats.org/drawingml/2006/main" xmlns:r="http://schemas.openxmlformats.org/officeDocument/2006/relationships" xmlns:p="http://schemas.openxmlformats.org/presentationml/2006/main">
+  <p:cSld>
+    <p:spTree>
+      <p:nvGrpSpPr>
+        <p:cNvPr id="1" name=""/>
+        <p:cNvGrpSpPr/>
+        <p:nvPr/>
+      </p:nvGrpSpPr>
+      <p:grpSpPr/>
+      <p:sp>
+        <p:nvSpPr>
+          <p:cNvPr id="2" name="幻灯片图像占位符 1"/>
+          <p:cNvSpPr/>
+          <p:nvPr>
+            <p:ph type="sldImg" idx="2"/>
+          </p:nvPr>
+        </p:nvSpPr>
+        <p:spPr/>
+      </p:sp>
+      <p:sp>
+        <p:nvSpPr>
+          <p:cNvPr id="3" name="文本占位符 2"/>
+          <p:cNvSpPr/>
+          <p:nvPr>
+            <p:ph type="body" idx="3"/>
+          </p:nvPr>
+        </p:nvSpPr>
+        <p:spPr/>
+        <p:txBody>
+          <a:bodyPr/>
+          <a:p>
+            <a:endParaRPr lang="zh-CN" altLang="en-US"/>
+          </a:p>
+        </p:txBody>
+      </p:sp>
+    </p:spTree>
+  </p:cSld>
+  <p:clrMapOvr>
+    <a:masterClrMapping/>
+  </p:clrMapOvr>
+</p:notes>
+</file>
+
+<file path=ppt/notesSlides/notesSlide6.xml><?xml version="1.0" encoding="utf-8"?>
+<p:notes xmlns:a="http://schemas.openxmlformats.org/drawingml/2006/main" xmlns:r="http://schemas.openxmlformats.org/officeDocument/2006/relationships" xmlns:p="http://schemas.openxmlformats.org/presentationml/2006/main">
+  <p:cSld>
+    <p:spTree>
+      <p:nvGrpSpPr>
+        <p:cNvPr id="1" name=""/>
+        <p:cNvGrpSpPr/>
+        <p:nvPr/>
+      </p:nvGrpSpPr>
+      <p:grpSpPr/>
+      <p:sp>
+        <p:nvSpPr>
+          <p:cNvPr id="2" name="幻灯片图像占位符 1"/>
+          <p:cNvSpPr/>
+          <p:nvPr>
+            <p:ph type="sldImg" idx="2"/>
+          </p:nvPr>
+        </p:nvSpPr>
+        <p:spPr/>
+      </p:sp>
+      <p:sp>
+        <p:nvSpPr>
+          <p:cNvPr id="3" name="文本占位符 2"/>
+          <p:cNvSpPr/>
+          <p:nvPr>
+            <p:ph type="body" idx="3"/>
+          </p:nvPr>
+        </p:nvSpPr>
+        <p:spPr/>
+        <p:txBody>
+          <a:bodyPr/>
           <a:p>
             <a:endParaRPr lang="zh-CN" altLang="en-US"/>
           </a:p>
@@ -615,9 +769,10 @@
           </a:lstStyle>
           <a:p>
             <a:r>
-              <a:rPr lang="zh-CN" altLang="en-US"/>
+              <a:rPr lang="zh-CN" altLang="en-US" smtClean="0"/>
               <a:t>单击此处编辑母版标题样式</a:t>
             </a:r>
+            <a:endParaRPr lang="zh-CN" altLang="en-US"/>
           </a:p>
         </p:txBody>
       </p:sp>
@@ -679,9 +834,10 @@
           </a:lstStyle>
           <a:p>
             <a:r>
-              <a:rPr lang="zh-CN" altLang="en-US"/>
+              <a:rPr lang="zh-CN" altLang="en-US" smtClean="0"/>
               <a:t>单击此处编辑母版副标题样式</a:t>
             </a:r>
+            <a:endParaRPr lang="zh-CN" altLang="en-US"/>
           </a:p>
         </p:txBody>
       </p:sp>
@@ -702,7 +858,6 @@
           <a:p>
             <a:fld id="{BD62CDEE-5703-4007-BC1B-6614F6208EEE}" type="datetimeFigureOut">
               <a:rPr lang="zh-CN" altLang="en-US" smtClean="0"/>
-              <a:t>2021/2/10</a:t>
             </a:fld>
             <a:endParaRPr lang="zh-CN" altLang="en-US"/>
           </a:p>
@@ -744,7 +899,6 @@
           <a:p>
             <a:fld id="{42489F45-C021-4513-B68B-2EBD10FA8FB3}" type="slidenum">
               <a:rPr lang="zh-CN" altLang="en-US" smtClean="0"/>
-              <a:t>‹#›</a:t>
             </a:fld>
             <a:endParaRPr lang="zh-CN" altLang="en-US"/>
           </a:p>
@@ -791,9 +945,10 @@
           <a:lstStyle/>
           <a:p>
             <a:r>
-              <a:rPr lang="zh-CN" altLang="en-US"/>
+              <a:rPr lang="zh-CN" altLang="en-US" smtClean="0"/>
               <a:t>单击此处编辑母版标题样式</a:t>
             </a:r>
+            <a:endParaRPr lang="zh-CN" altLang="en-US"/>
           </a:p>
         </p:txBody>
       </p:sp>
@@ -814,37 +969,42 @@
           <a:p>
             <a:pPr lvl="0"/>
             <a:r>
-              <a:rPr lang="zh-CN" altLang="en-US"/>
+              <a:rPr lang="zh-CN" altLang="en-US" smtClean="0"/>
               <a:t>单击此处编辑母版文本样式</a:t>
             </a:r>
+            <a:endParaRPr lang="zh-CN" altLang="en-US" smtClean="0"/>
           </a:p>
           <a:p>
             <a:pPr lvl="1"/>
             <a:r>
-              <a:rPr lang="zh-CN" altLang="en-US"/>
+              <a:rPr lang="zh-CN" altLang="en-US" smtClean="0"/>
               <a:t>第二级</a:t>
             </a:r>
+            <a:endParaRPr lang="zh-CN" altLang="en-US" smtClean="0"/>
           </a:p>
           <a:p>
             <a:pPr lvl="2"/>
             <a:r>
-              <a:rPr lang="zh-CN" altLang="en-US"/>
+              <a:rPr lang="zh-CN" altLang="en-US" smtClean="0"/>
               <a:t>第三级</a:t>
             </a:r>
+            <a:endParaRPr lang="zh-CN" altLang="en-US" smtClean="0"/>
           </a:p>
           <a:p>
             <a:pPr lvl="3"/>
             <a:r>
-              <a:rPr lang="zh-CN" altLang="en-US"/>
+              <a:rPr lang="zh-CN" altLang="en-US" smtClean="0"/>
               <a:t>第四级</a:t>
             </a:r>
+            <a:endParaRPr lang="zh-CN" altLang="en-US" smtClean="0"/>
           </a:p>
           <a:p>
             <a:pPr lvl="4"/>
             <a:r>
-              <a:rPr lang="zh-CN" altLang="en-US"/>
+              <a:rPr lang="zh-CN" altLang="en-US" smtClean="0"/>
               <a:t>第五级</a:t>
             </a:r>
+            <a:endParaRPr lang="zh-CN" altLang="en-US"/>
           </a:p>
         </p:txBody>
       </p:sp>
@@ -865,7 +1025,6 @@
           <a:p>
             <a:fld id="{BD62CDEE-5703-4007-BC1B-6614F6208EEE}" type="datetimeFigureOut">
               <a:rPr lang="zh-CN" altLang="en-US" smtClean="0"/>
-              <a:t>2021/2/10</a:t>
             </a:fld>
             <a:endParaRPr lang="zh-CN" altLang="en-US"/>
           </a:p>
@@ -907,7 +1066,6 @@
           <a:p>
             <a:fld id="{42489F45-C021-4513-B68B-2EBD10FA8FB3}" type="slidenum">
               <a:rPr lang="zh-CN" altLang="en-US" smtClean="0"/>
-              <a:t>‹#›</a:t>
             </a:fld>
             <a:endParaRPr lang="zh-CN" altLang="en-US"/>
           </a:p>
@@ -959,9 +1117,10 @@
           <a:lstStyle/>
           <a:p>
             <a:r>
-              <a:rPr lang="zh-CN" altLang="en-US"/>
+              <a:rPr lang="zh-CN" altLang="en-US" smtClean="0"/>
               <a:t>单击此处编辑母版标题样式</a:t>
             </a:r>
+            <a:endParaRPr lang="zh-CN" altLang="en-US"/>
           </a:p>
         </p:txBody>
       </p:sp>
@@ -987,37 +1146,42 @@
           <a:p>
             <a:pPr lvl="0"/>
             <a:r>
-              <a:rPr lang="zh-CN" altLang="en-US"/>
+              <a:rPr lang="zh-CN" altLang="en-US" smtClean="0"/>
               <a:t>单击此处编辑母版文本样式</a:t>
             </a:r>
+            <a:endParaRPr lang="zh-CN" altLang="en-US" smtClean="0"/>
           </a:p>
           <a:p>
             <a:pPr lvl="1"/>
             <a:r>
-              <a:rPr lang="zh-CN" altLang="en-US"/>
+              <a:rPr lang="zh-CN" altLang="en-US" smtClean="0"/>
               <a:t>第二级</a:t>
             </a:r>
+            <a:endParaRPr lang="zh-CN" altLang="en-US" smtClean="0"/>
           </a:p>
           <a:p>
             <a:pPr lvl="2"/>
             <a:r>
-              <a:rPr lang="zh-CN" altLang="en-US"/>
+              <a:rPr lang="zh-CN" altLang="en-US" smtClean="0"/>
               <a:t>第三级</a:t>
             </a:r>
+            <a:endParaRPr lang="zh-CN" altLang="en-US" smtClean="0"/>
           </a:p>
           <a:p>
             <a:pPr lvl="3"/>
             <a:r>
-              <a:rPr lang="zh-CN" altLang="en-US"/>
+              <a:rPr lang="zh-CN" altLang="en-US" smtClean="0"/>
               <a:t>第四级</a:t>
             </a:r>
+            <a:endParaRPr lang="zh-CN" altLang="en-US" smtClean="0"/>
           </a:p>
           <a:p>
             <a:pPr lvl="4"/>
             <a:r>
-              <a:rPr lang="zh-CN" altLang="en-US"/>
+              <a:rPr lang="zh-CN" altLang="en-US" smtClean="0"/>
               <a:t>第五级</a:t>
             </a:r>
+            <a:endParaRPr lang="zh-CN" altLang="en-US"/>
           </a:p>
         </p:txBody>
       </p:sp>
@@ -1038,7 +1202,6 @@
           <a:p>
             <a:fld id="{BD62CDEE-5703-4007-BC1B-6614F6208EEE}" type="datetimeFigureOut">
               <a:rPr lang="zh-CN" altLang="en-US" smtClean="0"/>
-              <a:t>2021/2/10</a:t>
             </a:fld>
             <a:endParaRPr lang="zh-CN" altLang="en-US"/>
           </a:p>
@@ -1080,7 +1243,6 @@
           <a:p>
             <a:fld id="{42489F45-C021-4513-B68B-2EBD10FA8FB3}" type="slidenum">
               <a:rPr lang="zh-CN" altLang="en-US" smtClean="0"/>
-              <a:t>‹#›</a:t>
             </a:fld>
             <a:endParaRPr lang="zh-CN" altLang="en-US"/>
           </a:p>
@@ -1127,9 +1289,10 @@
           <a:lstStyle/>
           <a:p>
             <a:r>
-              <a:rPr lang="zh-CN" altLang="en-US"/>
+              <a:rPr lang="zh-CN" altLang="en-US" smtClean="0"/>
               <a:t>单击此处编辑母版标题样式</a:t>
             </a:r>
+            <a:endParaRPr lang="zh-CN" altLang="en-US"/>
           </a:p>
         </p:txBody>
       </p:sp>
@@ -1150,37 +1313,42 @@
           <a:p>
             <a:pPr lvl="0"/>
             <a:r>
-              <a:rPr lang="zh-CN" altLang="en-US"/>
+              <a:rPr lang="zh-CN" altLang="en-US" smtClean="0"/>
               <a:t>单击此处编辑母版文本样式</a:t>
             </a:r>
+            <a:endParaRPr lang="zh-CN" altLang="en-US" smtClean="0"/>
           </a:p>
           <a:p>
             <a:pPr lvl="1"/>
             <a:r>
-              <a:rPr lang="zh-CN" altLang="en-US"/>
+              <a:rPr lang="zh-CN" altLang="en-US" smtClean="0"/>
               <a:t>第二级</a:t>
             </a:r>
+            <a:endParaRPr lang="zh-CN" altLang="en-US" smtClean="0"/>
           </a:p>
           <a:p>
             <a:pPr lvl="2"/>
             <a:r>
-              <a:rPr lang="zh-CN" altLang="en-US"/>
+              <a:rPr lang="zh-CN" altLang="en-US" smtClean="0"/>
               <a:t>第三级</a:t>
             </a:r>
+            <a:endParaRPr lang="zh-CN" altLang="en-US" smtClean="0"/>
           </a:p>
           <a:p>
             <a:pPr lvl="3"/>
             <a:r>
-              <a:rPr lang="zh-CN" altLang="en-US"/>
+              <a:rPr lang="zh-CN" altLang="en-US" smtClean="0"/>
               <a:t>第四级</a:t>
             </a:r>
+            <a:endParaRPr lang="zh-CN" altLang="en-US" smtClean="0"/>
           </a:p>
           <a:p>
             <a:pPr lvl="4"/>
             <a:r>
-              <a:rPr lang="zh-CN" altLang="en-US"/>
+              <a:rPr lang="zh-CN" altLang="en-US" smtClean="0"/>
               <a:t>第五级</a:t>
             </a:r>
+            <a:endParaRPr lang="zh-CN" altLang="en-US"/>
           </a:p>
         </p:txBody>
       </p:sp>
@@ -1201,7 +1369,6 @@
           <a:p>
             <a:fld id="{BD62CDEE-5703-4007-BC1B-6614F6208EEE}" type="datetimeFigureOut">
               <a:rPr lang="zh-CN" altLang="en-US" smtClean="0"/>
-              <a:t>2021/2/10</a:t>
             </a:fld>
             <a:endParaRPr lang="zh-CN" altLang="en-US"/>
           </a:p>
@@ -1243,7 +1410,6 @@
           <a:p>
             <a:fld id="{42489F45-C021-4513-B68B-2EBD10FA8FB3}" type="slidenum">
               <a:rPr lang="zh-CN" altLang="en-US" smtClean="0"/>
-              <a:t>‹#›</a:t>
             </a:fld>
             <a:endParaRPr lang="zh-CN" altLang="en-US"/>
           </a:p>
@@ -1299,9 +1465,10 @@
           </a:lstStyle>
           <a:p>
             <a:r>
-              <a:rPr lang="zh-CN" altLang="en-US"/>
+              <a:rPr lang="zh-CN" altLang="en-US" smtClean="0"/>
               <a:t>单击此处编辑母版标题样式</a:t>
             </a:r>
+            <a:endParaRPr lang="zh-CN" altLang="en-US"/>
           </a:p>
         </p:txBody>
       </p:sp>
@@ -1418,9 +1585,10 @@
           <a:p>
             <a:pPr lvl="0"/>
             <a:r>
-              <a:rPr lang="zh-CN" altLang="en-US"/>
+              <a:rPr lang="zh-CN" altLang="en-US" smtClean="0"/>
               <a:t>单击此处编辑母版文本样式</a:t>
             </a:r>
+            <a:endParaRPr lang="zh-CN" altLang="en-US" smtClean="0"/>
           </a:p>
         </p:txBody>
       </p:sp>
@@ -1441,7 +1609,6 @@
           <a:p>
             <a:fld id="{BD62CDEE-5703-4007-BC1B-6614F6208EEE}" type="datetimeFigureOut">
               <a:rPr lang="zh-CN" altLang="en-US" smtClean="0"/>
-              <a:t>2021/2/10</a:t>
             </a:fld>
             <a:endParaRPr lang="zh-CN" altLang="en-US"/>
           </a:p>
@@ -1483,7 +1650,6 @@
           <a:p>
             <a:fld id="{42489F45-C021-4513-B68B-2EBD10FA8FB3}" type="slidenum">
               <a:rPr lang="zh-CN" altLang="en-US" smtClean="0"/>
-              <a:t>‹#›</a:t>
             </a:fld>
             <a:endParaRPr lang="zh-CN" altLang="en-US"/>
           </a:p>
@@ -1530,9 +1696,10 @@
           <a:lstStyle/>
           <a:p>
             <a:r>
-              <a:rPr lang="zh-CN" altLang="en-US"/>
+              <a:rPr lang="zh-CN" altLang="en-US" smtClean="0"/>
               <a:t>单击此处编辑母版标题样式</a:t>
             </a:r>
+            <a:endParaRPr lang="zh-CN" altLang="en-US"/>
           </a:p>
         </p:txBody>
       </p:sp>
@@ -1558,37 +1725,42 @@
           <a:p>
             <a:pPr lvl="0"/>
             <a:r>
-              <a:rPr lang="zh-CN" altLang="en-US"/>
+              <a:rPr lang="zh-CN" altLang="en-US" smtClean="0"/>
               <a:t>单击此处编辑母版文本样式</a:t>
             </a:r>
+            <a:endParaRPr lang="zh-CN" altLang="en-US" smtClean="0"/>
           </a:p>
           <a:p>
             <a:pPr lvl="1"/>
             <a:r>
-              <a:rPr lang="zh-CN" altLang="en-US"/>
+              <a:rPr lang="zh-CN" altLang="en-US" smtClean="0"/>
               <a:t>第二级</a:t>
             </a:r>
+            <a:endParaRPr lang="zh-CN" altLang="en-US" smtClean="0"/>
           </a:p>
           <a:p>
             <a:pPr lvl="2"/>
             <a:r>
-              <a:rPr lang="zh-CN" altLang="en-US"/>
+              <a:rPr lang="zh-CN" altLang="en-US" smtClean="0"/>
               <a:t>第三级</a:t>
             </a:r>
+            <a:endParaRPr lang="zh-CN" altLang="en-US" smtClean="0"/>
           </a:p>
           <a:p>
             <a:pPr lvl="3"/>
             <a:r>
-              <a:rPr lang="zh-CN" altLang="en-US"/>
+              <a:rPr lang="zh-CN" altLang="en-US" smtClean="0"/>
               <a:t>第四级</a:t>
             </a:r>
+            <a:endParaRPr lang="zh-CN" altLang="en-US" smtClean="0"/>
           </a:p>
           <a:p>
             <a:pPr lvl="4"/>
             <a:r>
-              <a:rPr lang="zh-CN" altLang="en-US"/>
+              <a:rPr lang="zh-CN" altLang="en-US" smtClean="0"/>
               <a:t>第五级</a:t>
             </a:r>
+            <a:endParaRPr lang="zh-CN" altLang="en-US"/>
           </a:p>
         </p:txBody>
       </p:sp>
@@ -1614,37 +1786,42 @@
           <a:p>
             <a:pPr lvl="0"/>
             <a:r>
-              <a:rPr lang="zh-CN" altLang="en-US"/>
+              <a:rPr lang="zh-CN" altLang="en-US" smtClean="0"/>
               <a:t>单击此处编辑母版文本样式</a:t>
             </a:r>
+            <a:endParaRPr lang="zh-CN" altLang="en-US" smtClean="0"/>
           </a:p>
           <a:p>
             <a:pPr lvl="1"/>
             <a:r>
-              <a:rPr lang="zh-CN" altLang="en-US"/>
+              <a:rPr lang="zh-CN" altLang="en-US" smtClean="0"/>
               <a:t>第二级</a:t>
             </a:r>
+            <a:endParaRPr lang="zh-CN" altLang="en-US" smtClean="0"/>
           </a:p>
           <a:p>
             <a:pPr lvl="2"/>
             <a:r>
-              <a:rPr lang="zh-CN" altLang="en-US"/>
+              <a:rPr lang="zh-CN" altLang="en-US" smtClean="0"/>
               <a:t>第三级</a:t>
             </a:r>
+            <a:endParaRPr lang="zh-CN" altLang="en-US" smtClean="0"/>
           </a:p>
           <a:p>
             <a:pPr lvl="3"/>
             <a:r>
-              <a:rPr lang="zh-CN" altLang="en-US"/>
+              <a:rPr lang="zh-CN" altLang="en-US" smtClean="0"/>
               <a:t>第四级</a:t>
             </a:r>
+            <a:endParaRPr lang="zh-CN" altLang="en-US" smtClean="0"/>
           </a:p>
           <a:p>
             <a:pPr lvl="4"/>
             <a:r>
-              <a:rPr lang="zh-CN" altLang="en-US"/>
+              <a:rPr lang="zh-CN" altLang="en-US" smtClean="0"/>
               <a:t>第五级</a:t>
             </a:r>
+            <a:endParaRPr lang="zh-CN" altLang="en-US"/>
           </a:p>
         </p:txBody>
       </p:sp>
@@ -1665,7 +1842,6 @@
           <a:p>
             <a:fld id="{BD62CDEE-5703-4007-BC1B-6614F6208EEE}" type="datetimeFigureOut">
               <a:rPr lang="zh-CN" altLang="en-US" smtClean="0"/>
-              <a:t>2021/2/10</a:t>
             </a:fld>
             <a:endParaRPr lang="zh-CN" altLang="en-US"/>
           </a:p>
@@ -1707,7 +1883,6 @@
           <a:p>
             <a:fld id="{42489F45-C021-4513-B68B-2EBD10FA8FB3}" type="slidenum">
               <a:rPr lang="zh-CN" altLang="en-US" smtClean="0"/>
-              <a:t>‹#›</a:t>
             </a:fld>
             <a:endParaRPr lang="zh-CN" altLang="en-US"/>
           </a:p>
@@ -1759,9 +1934,10 @@
           <a:lstStyle/>
           <a:p>
             <a:r>
-              <a:rPr lang="zh-CN" altLang="en-US"/>
+              <a:rPr lang="zh-CN" altLang="en-US" smtClean="0"/>
               <a:t>单击此处编辑母版标题样式</a:t>
             </a:r>
+            <a:endParaRPr lang="zh-CN" altLang="en-US"/>
           </a:p>
         </p:txBody>
       </p:sp>
@@ -1824,9 +2000,10 @@
           <a:p>
             <a:pPr lvl="0"/>
             <a:r>
-              <a:rPr lang="zh-CN" altLang="en-US"/>
+              <a:rPr lang="zh-CN" altLang="en-US" smtClean="0"/>
               <a:t>单击此处编辑母版文本样式</a:t>
             </a:r>
+            <a:endParaRPr lang="zh-CN" altLang="en-US" smtClean="0"/>
           </a:p>
         </p:txBody>
       </p:sp>
@@ -1852,37 +2029,42 @@
           <a:p>
             <a:pPr lvl="0"/>
             <a:r>
-              <a:rPr lang="zh-CN" altLang="en-US"/>
+              <a:rPr lang="zh-CN" altLang="en-US" smtClean="0"/>
               <a:t>单击此处编辑母版文本样式</a:t>
             </a:r>
+            <a:endParaRPr lang="zh-CN" altLang="en-US" smtClean="0"/>
           </a:p>
           <a:p>
             <a:pPr lvl="1"/>
             <a:r>
-              <a:rPr lang="zh-CN" altLang="en-US"/>
+              <a:rPr lang="zh-CN" altLang="en-US" smtClean="0"/>
               <a:t>第二级</a:t>
             </a:r>
+            <a:endParaRPr lang="zh-CN" altLang="en-US" smtClean="0"/>
           </a:p>
           <a:p>
             <a:pPr lvl="2"/>
             <a:r>
-              <a:rPr lang="zh-CN" altLang="en-US"/>
+              <a:rPr lang="zh-CN" altLang="en-US" smtClean="0"/>
               <a:t>第三级</a:t>
             </a:r>
+            <a:endParaRPr lang="zh-CN" altLang="en-US" smtClean="0"/>
           </a:p>
           <a:p>
             <a:pPr lvl="3"/>
             <a:r>
-              <a:rPr lang="zh-CN" altLang="en-US"/>
+              <a:rPr lang="zh-CN" altLang="en-US" smtClean="0"/>
               <a:t>第四级</a:t>
             </a:r>
+            <a:endParaRPr lang="zh-CN" altLang="en-US" smtClean="0"/>
           </a:p>
           <a:p>
             <a:pPr lvl="4"/>
             <a:r>
-              <a:rPr lang="zh-CN" altLang="en-US"/>
+              <a:rPr lang="zh-CN" altLang="en-US" smtClean="0"/>
               <a:t>第五级</a:t>
             </a:r>
+            <a:endParaRPr lang="zh-CN" altLang="en-US"/>
           </a:p>
         </p:txBody>
       </p:sp>
@@ -1945,9 +2127,10 @@
           <a:p>
             <a:pPr lvl="0"/>
             <a:r>
-              <a:rPr lang="zh-CN" altLang="en-US"/>
+              <a:rPr lang="zh-CN" altLang="en-US" smtClean="0"/>
               <a:t>单击此处编辑母版文本样式</a:t>
             </a:r>
+            <a:endParaRPr lang="zh-CN" altLang="en-US" smtClean="0"/>
           </a:p>
         </p:txBody>
       </p:sp>
@@ -1973,37 +2156,42 @@
           <a:p>
             <a:pPr lvl="0"/>
             <a:r>
-              <a:rPr lang="zh-CN" altLang="en-US"/>
+              <a:rPr lang="zh-CN" altLang="en-US" smtClean="0"/>
               <a:t>单击此处编辑母版文本样式</a:t>
             </a:r>
+            <a:endParaRPr lang="zh-CN" altLang="en-US" smtClean="0"/>
           </a:p>
           <a:p>
             <a:pPr lvl="1"/>
             <a:r>
-              <a:rPr lang="zh-CN" altLang="en-US"/>
+              <a:rPr lang="zh-CN" altLang="en-US" smtClean="0"/>
               <a:t>第二级</a:t>
             </a:r>
+            <a:endParaRPr lang="zh-CN" altLang="en-US" smtClean="0"/>
           </a:p>
           <a:p>
             <a:pPr lvl="2"/>
             <a:r>
-              <a:rPr lang="zh-CN" altLang="en-US"/>
+              <a:rPr lang="zh-CN" altLang="en-US" smtClean="0"/>
               <a:t>第三级</a:t>
             </a:r>
+            <a:endParaRPr lang="zh-CN" altLang="en-US" smtClean="0"/>
           </a:p>
           <a:p>
             <a:pPr lvl="3"/>
             <a:r>
-              <a:rPr lang="zh-CN" altLang="en-US"/>
+              <a:rPr lang="zh-CN" altLang="en-US" smtClean="0"/>
               <a:t>第四级</a:t>
             </a:r>
+            <a:endParaRPr lang="zh-CN" altLang="en-US" smtClean="0"/>
           </a:p>
           <a:p>
             <a:pPr lvl="4"/>
             <a:r>
-              <a:rPr lang="zh-CN" altLang="en-US"/>
+              <a:rPr lang="zh-CN" altLang="en-US" smtClean="0"/>
               <a:t>第五级</a:t>
             </a:r>
+            <a:endParaRPr lang="zh-CN" altLang="en-US"/>
           </a:p>
         </p:txBody>
       </p:sp>
@@ -2024,7 +2212,6 @@
           <a:p>
             <a:fld id="{BD62CDEE-5703-4007-BC1B-6614F6208EEE}" type="datetimeFigureOut">
               <a:rPr lang="zh-CN" altLang="en-US" smtClean="0"/>
-              <a:t>2021/2/10</a:t>
             </a:fld>
             <a:endParaRPr lang="zh-CN" altLang="en-US"/>
           </a:p>
@@ -2066,7 +2253,6 @@
           <a:p>
             <a:fld id="{42489F45-C021-4513-B68B-2EBD10FA8FB3}" type="slidenum">
               <a:rPr lang="zh-CN" altLang="en-US" smtClean="0"/>
-              <a:t>‹#›</a:t>
             </a:fld>
             <a:endParaRPr lang="zh-CN" altLang="en-US"/>
           </a:p>
@@ -2113,9 +2299,10 @@
           <a:lstStyle/>
           <a:p>
             <a:r>
-              <a:rPr lang="zh-CN" altLang="en-US"/>
+              <a:rPr lang="zh-CN" altLang="en-US" smtClean="0"/>
               <a:t>单击此处编辑母版标题样式</a:t>
             </a:r>
+            <a:endParaRPr lang="zh-CN" altLang="en-US"/>
           </a:p>
         </p:txBody>
       </p:sp>
@@ -2136,7 +2323,6 @@
           <a:p>
             <a:fld id="{BD62CDEE-5703-4007-BC1B-6614F6208EEE}" type="datetimeFigureOut">
               <a:rPr lang="zh-CN" altLang="en-US" smtClean="0"/>
-              <a:t>2021/2/10</a:t>
             </a:fld>
             <a:endParaRPr lang="zh-CN" altLang="en-US"/>
           </a:p>
@@ -2178,7 +2364,6 @@
           <a:p>
             <a:fld id="{42489F45-C021-4513-B68B-2EBD10FA8FB3}" type="slidenum">
               <a:rPr lang="zh-CN" altLang="en-US" smtClean="0"/>
-              <a:t>‹#›</a:t>
             </a:fld>
             <a:endParaRPr lang="zh-CN" altLang="en-US"/>
           </a:p>
@@ -2226,7 +2411,6 @@
           <a:p>
             <a:fld id="{BD62CDEE-5703-4007-BC1B-6614F6208EEE}" type="datetimeFigureOut">
               <a:rPr lang="zh-CN" altLang="en-US" smtClean="0"/>
-              <a:t>2021/2/10</a:t>
             </a:fld>
             <a:endParaRPr lang="zh-CN" altLang="en-US"/>
           </a:p>
@@ -2268,7 +2452,6 @@
           <a:p>
             <a:fld id="{42489F45-C021-4513-B68B-2EBD10FA8FB3}" type="slidenum">
               <a:rPr lang="zh-CN" altLang="en-US" smtClean="0"/>
-              <a:t>‹#›</a:t>
             </a:fld>
             <a:endParaRPr lang="zh-CN" altLang="en-US"/>
           </a:p>
@@ -2324,9 +2507,10 @@
           </a:lstStyle>
           <a:p>
             <a:r>
-              <a:rPr lang="zh-CN" altLang="en-US"/>
+              <a:rPr lang="zh-CN" altLang="en-US" smtClean="0"/>
               <a:t>单击此处编辑母版标题样式</a:t>
             </a:r>
+            <a:endParaRPr lang="zh-CN" altLang="en-US"/>
           </a:p>
         </p:txBody>
       </p:sp>
@@ -2380,37 +2564,42 @@
           <a:p>
             <a:pPr lvl="0"/>
             <a:r>
-              <a:rPr lang="zh-CN" altLang="en-US"/>
+              <a:rPr lang="zh-CN" altLang="en-US" smtClean="0"/>
               <a:t>单击此处编辑母版文本样式</a:t>
             </a:r>
+            <a:endParaRPr lang="zh-CN" altLang="en-US" smtClean="0"/>
           </a:p>
           <a:p>
             <a:pPr lvl="1"/>
             <a:r>
-              <a:rPr lang="zh-CN" altLang="en-US"/>
+              <a:rPr lang="zh-CN" altLang="en-US" smtClean="0"/>
               <a:t>第二级</a:t>
             </a:r>
+            <a:endParaRPr lang="zh-CN" altLang="en-US" smtClean="0"/>
           </a:p>
           <a:p>
             <a:pPr lvl="2"/>
             <a:r>
-              <a:rPr lang="zh-CN" altLang="en-US"/>
+              <a:rPr lang="zh-CN" altLang="en-US" smtClean="0"/>
               <a:t>第三级</a:t>
             </a:r>
+            <a:endParaRPr lang="zh-CN" altLang="en-US" smtClean="0"/>
           </a:p>
           <a:p>
             <a:pPr lvl="3"/>
             <a:r>
-              <a:rPr lang="zh-CN" altLang="en-US"/>
+              <a:rPr lang="zh-CN" altLang="en-US" smtClean="0"/>
               <a:t>第四级</a:t>
             </a:r>
+            <a:endParaRPr lang="zh-CN" altLang="en-US" smtClean="0"/>
           </a:p>
           <a:p>
             <a:pPr lvl="4"/>
             <a:r>
-              <a:rPr lang="zh-CN" altLang="en-US"/>
+              <a:rPr lang="zh-CN" altLang="en-US" smtClean="0"/>
               <a:t>第五级</a:t>
             </a:r>
+            <a:endParaRPr lang="zh-CN" altLang="en-US"/>
           </a:p>
         </p:txBody>
       </p:sp>
@@ -2473,9 +2662,10 @@
           <a:p>
             <a:pPr lvl="0"/>
             <a:r>
-              <a:rPr lang="zh-CN" altLang="en-US"/>
+              <a:rPr lang="zh-CN" altLang="en-US" smtClean="0"/>
               <a:t>单击此处编辑母版文本样式</a:t>
             </a:r>
+            <a:endParaRPr lang="zh-CN" altLang="en-US" smtClean="0"/>
           </a:p>
         </p:txBody>
       </p:sp>
@@ -2496,7 +2686,6 @@
           <a:p>
             <a:fld id="{BD62CDEE-5703-4007-BC1B-6614F6208EEE}" type="datetimeFigureOut">
               <a:rPr lang="zh-CN" altLang="en-US" smtClean="0"/>
-              <a:t>2021/2/10</a:t>
             </a:fld>
             <a:endParaRPr lang="zh-CN" altLang="en-US"/>
           </a:p>
@@ -2538,7 +2727,6 @@
           <a:p>
             <a:fld id="{42489F45-C021-4513-B68B-2EBD10FA8FB3}" type="slidenum">
               <a:rPr lang="zh-CN" altLang="en-US" smtClean="0"/>
-              <a:t>‹#›</a:t>
             </a:fld>
             <a:endParaRPr lang="zh-CN" altLang="en-US"/>
           </a:p>
@@ -2594,9 +2782,10 @@
           </a:lstStyle>
           <a:p>
             <a:r>
-              <a:rPr lang="zh-CN" altLang="en-US"/>
+              <a:rPr lang="zh-CN" altLang="en-US" smtClean="0"/>
               <a:t>单击此处编辑母版标题样式</a:t>
             </a:r>
+            <a:endParaRPr lang="zh-CN" altLang="en-US"/>
           </a:p>
         </p:txBody>
       </p:sp>
@@ -2720,9 +2909,10 @@
           <a:p>
             <a:pPr lvl="0"/>
             <a:r>
-              <a:rPr lang="zh-CN" altLang="en-US"/>
+              <a:rPr lang="zh-CN" altLang="en-US" smtClean="0"/>
               <a:t>单击此处编辑母版文本样式</a:t>
             </a:r>
+            <a:endParaRPr lang="zh-CN" altLang="en-US" smtClean="0"/>
           </a:p>
         </p:txBody>
       </p:sp>
@@ -2743,7 +2933,6 @@
           <a:p>
             <a:fld id="{BD62CDEE-5703-4007-BC1B-6614F6208EEE}" type="datetimeFigureOut">
               <a:rPr lang="zh-CN" altLang="en-US" smtClean="0"/>
-              <a:t>2021/2/10</a:t>
             </a:fld>
             <a:endParaRPr lang="zh-CN" altLang="en-US"/>
           </a:p>
@@ -2785,7 +2974,6 @@
           <a:p>
             <a:fld id="{42489F45-C021-4513-B68B-2EBD10FA8FB3}" type="slidenum">
               <a:rPr lang="zh-CN" altLang="en-US" smtClean="0"/>
-              <a:t>‹#›</a:t>
             </a:fld>
             <a:endParaRPr lang="zh-CN" altLang="en-US"/>
           </a:p>
@@ -2872,9 +3060,10 @@
           <a:lstStyle/>
           <a:p>
             <a:r>
-              <a:rPr lang="zh-CN" altLang="en-US"/>
+              <a:rPr lang="zh-CN" altLang="en-US" smtClean="0"/>
               <a:t>单击此处编辑母版标题样式</a:t>
             </a:r>
+            <a:endParaRPr lang="zh-CN" altLang="en-US"/>
           </a:p>
         </p:txBody>
       </p:sp>
@@ -2905,37 +3094,42 @@
           <a:p>
             <a:pPr lvl="0"/>
             <a:r>
-              <a:rPr lang="zh-CN" altLang="en-US"/>
+              <a:rPr lang="zh-CN" altLang="en-US" smtClean="0"/>
               <a:t>单击此处编辑母版文本样式</a:t>
             </a:r>
+            <a:endParaRPr lang="zh-CN" altLang="en-US" smtClean="0"/>
           </a:p>
           <a:p>
             <a:pPr lvl="1"/>
             <a:r>
-              <a:rPr lang="zh-CN" altLang="en-US"/>
+              <a:rPr lang="zh-CN" altLang="en-US" smtClean="0"/>
               <a:t>第二级</a:t>
             </a:r>
+            <a:endParaRPr lang="zh-CN" altLang="en-US" smtClean="0"/>
           </a:p>
           <a:p>
             <a:pPr lvl="2"/>
             <a:r>
-              <a:rPr lang="zh-CN" altLang="en-US"/>
+              <a:rPr lang="zh-CN" altLang="en-US" smtClean="0"/>
               <a:t>第三级</a:t>
             </a:r>
+            <a:endParaRPr lang="zh-CN" altLang="en-US" smtClean="0"/>
           </a:p>
           <a:p>
             <a:pPr lvl="3"/>
             <a:r>
-              <a:rPr lang="zh-CN" altLang="en-US"/>
+              <a:rPr lang="zh-CN" altLang="en-US" smtClean="0"/>
               <a:t>第四级</a:t>
             </a:r>
+            <a:endParaRPr lang="zh-CN" altLang="en-US" smtClean="0"/>
           </a:p>
           <a:p>
             <a:pPr lvl="4"/>
             <a:r>
-              <a:rPr lang="zh-CN" altLang="en-US"/>
+              <a:rPr lang="zh-CN" altLang="en-US" smtClean="0"/>
               <a:t>第五级</a:t>
             </a:r>
+            <a:endParaRPr lang="zh-CN" altLang="en-US"/>
           </a:p>
         </p:txBody>
       </p:sp>
@@ -2974,7 +3168,6 @@
           <a:p>
             <a:fld id="{BD62CDEE-5703-4007-BC1B-6614F6208EEE}" type="datetimeFigureOut">
               <a:rPr lang="zh-CN" altLang="en-US" smtClean="0"/>
-              <a:t>2021/2/10</a:t>
             </a:fld>
             <a:endParaRPr lang="zh-CN" altLang="en-US"/>
           </a:p>
@@ -3052,7 +3245,6 @@
           <a:p>
             <a:fld id="{42489F45-C021-4513-B68B-2EBD10FA8FB3}" type="slidenum">
               <a:rPr lang="zh-CN" altLang="en-US" smtClean="0"/>
-              <a:t>‹#›</a:t>
             </a:fld>
             <a:endParaRPr lang="zh-CN" altLang="en-US"/>
           </a:p>
@@ -3411,15 +3603,7 @@
                   <a:schemeClr val="bg1"/>
                 </a:solidFill>
               </a:rPr>
-              <a:t>1</a:t>
-            </a:r>
-            <a:r>
-              <a:rPr lang="en-US" altLang="zh-CN" sz="4800" dirty="0">
-                <a:solidFill>
-                  <a:schemeClr val="bg1"/>
-                </a:solidFill>
-              </a:rPr>
-              <a:t>1</a:t>
+              <a:t>11</a:t>
             </a:r>
             <a:r>
               <a:rPr sz="4800" dirty="0">
@@ -3430,12 +3614,12 @@
               <a:t>     </a:t>
             </a:r>
             <a:r>
-              <a:rPr lang="zh-CN" altLang="en-US" sz="4800" dirty="0">
-                <a:solidFill>
-                  <a:schemeClr val="bg1"/>
-                </a:solidFill>
-              </a:rPr>
-              <a:t>项目</a:t>
+              <a:rPr lang="zh-CN" sz="4800" dirty="0">
+                <a:solidFill>
+                  <a:schemeClr val="bg1"/>
+                </a:solidFill>
+              </a:rPr>
+              <a:t>项目（完结）</a:t>
             </a:r>
             <a:endParaRPr lang="zh-CN" sz="4800" dirty="0">
               <a:solidFill>
@@ -3455,7 +3639,7 @@
           <p:nvPr/>
         </p:nvPicPr>
         <p:blipFill>
-          <a:blip r:embed="rId3"/>
+          <a:blip r:embed="rId1"/>
           <a:stretch>
             <a:fillRect/>
           </a:stretch>
@@ -3490,7 +3674,6 @@
           <a:bodyPr wrap="square" rtlCol="0">
             <a:spAutoFit/>
           </a:bodyPr>
-          <a:lstStyle/>
           <a:p>
             <a:r>
               <a:rPr lang="en-US" sz="5400">
@@ -3500,6 +3683,11 @@
               </a:rPr>
               <a:t>.NET 5</a:t>
             </a:r>
+            <a:endParaRPr lang="en-US" sz="5400">
+              <a:solidFill>
+                <a:schemeClr val="bg1"/>
+              </a:solidFill>
+            </a:endParaRPr>
           </a:p>
         </p:txBody>
       </p:sp>
@@ -3537,7 +3725,7 @@
           <p:nvPr/>
         </p:nvPicPr>
         <p:blipFill>
-          <a:blip r:embed="rId2"/>
+          <a:blip r:embed="rId1"/>
           <a:stretch>
             <a:fillRect/>
           </a:stretch>
@@ -3572,7 +3760,6 @@
           <a:bodyPr wrap="none" rtlCol="0">
             <a:spAutoFit/>
           </a:bodyPr>
-          <a:lstStyle/>
           <a:p>
             <a:r>
               <a:rPr lang="en-US" altLang="zh-CN">
@@ -3606,6 +3793,11 @@
               </a:rPr>
               <a:t>源计划</a:t>
             </a:r>
+            <a:endParaRPr lang="zh-CN" altLang="en-US">
+              <a:solidFill>
+                <a:schemeClr val="bg1"/>
+              </a:solidFill>
+            </a:endParaRPr>
           </a:p>
           <a:p>
             <a:r>
@@ -3624,6 +3816,11 @@
               </a:rPr>
               <a:t>juster zhu</a:t>
             </a:r>
+            <a:endParaRPr lang="en-US" altLang="zh-CN">
+              <a:solidFill>
+                <a:schemeClr val="bg1"/>
+              </a:solidFill>
+            </a:endParaRPr>
           </a:p>
         </p:txBody>
       </p:sp>
@@ -3644,24 +3841,17 @@
         <p:cNvGrpSpPr/>
         <p:nvPr/>
       </p:nvGrpSpPr>
-      <p:grpSpPr>
-        <a:xfrm>
-          <a:off x="0" y="0"/>
-          <a:ext cx="0" cy="0"/>
-          <a:chOff x="0" y="0"/>
-          <a:chExt cx="0" cy="0"/>
-        </a:xfrm>
-      </p:grpSpPr>
-      <p:sp>
-        <p:nvSpPr>
-          <p:cNvPr id="2" name="文本框 1"/>
+      <p:grpSpPr/>
+      <p:sp>
+        <p:nvSpPr>
+          <p:cNvPr id="5" name="文本框 4"/>
           <p:cNvSpPr txBox="1"/>
           <p:nvPr/>
         </p:nvSpPr>
         <p:spPr>
           <a:xfrm>
-            <a:off x="295275" y="320675"/>
-            <a:ext cx="11529060" cy="1754326"/>
+            <a:off x="433070" y="448945"/>
+            <a:ext cx="11453495" cy="1753235"/>
           </a:xfrm>
           <a:prstGeom prst="rect">
             <a:avLst/>
@@ -3672,17 +3862,16 @@
           <a:bodyPr wrap="square" rtlCol="0" anchor="t">
             <a:spAutoFit/>
           </a:bodyPr>
-          <a:lstStyle/>
-          <a:p>
-            <a:r>
-              <a:rPr lang="zh-CN" altLang="en-US" dirty="0">
+          <a:p>
+            <a:r>
+              <a:rPr lang="zh-CN" altLang="en-US">
                 <a:solidFill>
                   <a:schemeClr val="bg1"/>
                 </a:solidFill>
               </a:rPr>
               <a:t>一、项目结构</a:t>
             </a:r>
-            <a:endParaRPr lang="en-US" altLang="zh-CN" dirty="0">
+            <a:endParaRPr lang="zh-CN" altLang="en-US">
               <a:solidFill>
                 <a:schemeClr val="bg1"/>
               </a:solidFill>
@@ -3690,65 +3879,443 @@
           </a:p>
           <a:p>
             <a:r>
-              <a:rPr lang="en-US" altLang="zh-CN" dirty="0">
-                <a:solidFill>
-                  <a:schemeClr val="bg1"/>
-                </a:solidFill>
-              </a:rPr>
-              <a:t>         </a:t>
-            </a:r>
-            <a:r>
-              <a:rPr lang="zh-CN" altLang="en-US" dirty="0">
-                <a:solidFill>
-                  <a:schemeClr val="bg1"/>
-                </a:solidFill>
-              </a:rPr>
-              <a:t>项目中应包含哪些结构？</a:t>
-            </a:r>
-            <a:endParaRPr lang="en-US" altLang="zh-CN" dirty="0">
+              <a:rPr lang="zh-CN" altLang="en-US">
+                <a:solidFill>
+                  <a:schemeClr val="bg1"/>
+                </a:solidFill>
+              </a:rPr>
+              <a:t>         一个简单的项目结构应该包含哪些。（可以通过理解这样的雏形慢慢过渡到企业级开发当中）</a:t>
+            </a:r>
+            <a:endParaRPr lang="zh-CN" altLang="en-US">
               <a:solidFill>
                 <a:schemeClr val="bg1"/>
               </a:solidFill>
             </a:endParaRPr>
           </a:p>
           <a:p>
-            <a:endParaRPr lang="en-US" altLang="zh-CN" dirty="0">
+            <a:endParaRPr lang="zh-CN" altLang="en-US">
               <a:solidFill>
                 <a:schemeClr val="bg1"/>
               </a:solidFill>
             </a:endParaRPr>
           </a:p>
           <a:p>
-            <a:r>
-              <a:rPr lang="zh-CN" altLang="en-US" dirty="0">
-                <a:solidFill>
-                  <a:schemeClr val="bg1"/>
-                </a:solidFill>
-              </a:rPr>
-              <a:t>二、如何设计一个应用程序</a:t>
-            </a:r>
-            <a:endParaRPr lang="en-US" altLang="zh-CN" dirty="0">
+            <a:endParaRPr lang="zh-CN" altLang="en-US">
               <a:solidFill>
                 <a:schemeClr val="bg1"/>
               </a:solidFill>
             </a:endParaRPr>
           </a:p>
           <a:p>
-            <a:endParaRPr lang="en-US" altLang="zh-CN" dirty="0">
+            <a:endParaRPr lang="zh-CN" altLang="en-US">
               <a:solidFill>
                 <a:schemeClr val="bg1"/>
               </a:solidFill>
             </a:endParaRPr>
           </a:p>
           <a:p>
-            <a:r>
-              <a:rPr lang="zh-CN" altLang="en-US" dirty="0">
-                <a:solidFill>
-                  <a:schemeClr val="bg1"/>
-                </a:solidFill>
-              </a:rPr>
-              <a:t>三、</a:t>
-            </a:r>
+            <a:endParaRPr lang="zh-CN" altLang="en-US">
+              <a:solidFill>
+                <a:schemeClr val="bg1"/>
+              </a:solidFill>
+            </a:endParaRPr>
+          </a:p>
+        </p:txBody>
+      </p:sp>
+      <p:pic>
+        <p:nvPicPr>
+          <p:cNvPr id="3" name="图片 2"/>
+          <p:cNvPicPr>
+            <a:picLocks noChangeAspect="1"/>
+          </p:cNvPicPr>
+          <p:nvPr/>
+        </p:nvPicPr>
+        <p:blipFill>
+          <a:blip r:embed="rId1"/>
+          <a:stretch>
+            <a:fillRect/>
+          </a:stretch>
+        </p:blipFill>
+        <p:spPr>
+          <a:xfrm>
+            <a:off x="931545" y="1327785"/>
+            <a:ext cx="2743200" cy="1009650"/>
+          </a:xfrm>
+          <a:prstGeom prst="rect">
+            <a:avLst/>
+          </a:prstGeom>
+        </p:spPr>
+      </p:pic>
+      <p:sp>
+        <p:nvSpPr>
+          <p:cNvPr id="6" name="文本框 5"/>
+          <p:cNvSpPr txBox="1"/>
+          <p:nvPr/>
+        </p:nvSpPr>
+        <p:spPr>
+          <a:xfrm>
+            <a:off x="931545" y="2868295"/>
+            <a:ext cx="8412480" cy="2861310"/>
+          </a:xfrm>
+          <a:prstGeom prst="rect">
+            <a:avLst/>
+          </a:prstGeom>
+          <a:noFill/>
+        </p:spPr>
+        <p:txBody>
+          <a:bodyPr wrap="none" rtlCol="0" anchor="t">
+            <a:spAutoFit/>
+          </a:bodyPr>
+          <a:p>
+            <a:pPr algn="l"/>
+            <a:r>
+              <a:rPr lang="zh-CN" altLang="en-US">
+                <a:solidFill>
+                  <a:schemeClr val="bg1"/>
+                </a:solidFill>
+                <a:sym typeface="+mn-ea"/>
+              </a:rPr>
+              <a:t>例举企业级项目中的结构最基础的如下：</a:t>
+            </a:r>
+            <a:endParaRPr lang="en-US" altLang="zh-CN">
+              <a:solidFill>
+                <a:schemeClr val="bg1"/>
+              </a:solidFill>
+              <a:sym typeface="+mn-ea"/>
+            </a:endParaRPr>
+          </a:p>
+          <a:p>
+            <a:pPr algn="l"/>
+            <a:endParaRPr lang="en-US" altLang="zh-CN">
+              <a:solidFill>
+                <a:schemeClr val="bg1"/>
+              </a:solidFill>
+              <a:sym typeface="+mn-ea"/>
+            </a:endParaRPr>
+          </a:p>
+          <a:p>
+            <a:pPr algn="l"/>
+            <a:r>
+              <a:rPr lang="en-US" altLang="zh-CN">
+                <a:solidFill>
+                  <a:schemeClr val="bg1"/>
+                </a:solidFill>
+                <a:sym typeface="+mn-ea"/>
+              </a:rPr>
+              <a:t>Juster.ProjectName  -  </a:t>
+            </a:r>
+            <a:r>
+              <a:rPr lang="zh-CN" altLang="en-US">
+                <a:solidFill>
+                  <a:schemeClr val="bg1"/>
+                </a:solidFill>
+                <a:sym typeface="+mn-ea"/>
+              </a:rPr>
+              <a:t>解决方案名（核心内容例如</a:t>
+            </a:r>
+            <a:r>
+              <a:rPr lang="en-US" altLang="zh-CN">
+                <a:solidFill>
+                  <a:schemeClr val="bg1"/>
+                </a:solidFill>
+                <a:sym typeface="+mn-ea"/>
+              </a:rPr>
+              <a:t>music</a:t>
+            </a:r>
+            <a:r>
+              <a:rPr lang="zh-CN" altLang="en-US">
+                <a:solidFill>
+                  <a:schemeClr val="bg1"/>
+                </a:solidFill>
+                <a:sym typeface="+mn-ea"/>
+              </a:rPr>
+              <a:t>或</a:t>
+            </a:r>
+            <a:r>
+              <a:rPr lang="en-US" altLang="zh-CN">
+                <a:solidFill>
+                  <a:schemeClr val="bg1"/>
+                </a:solidFill>
+                <a:sym typeface="+mn-ea"/>
+              </a:rPr>
+              <a:t>HIS</a:t>
+            </a:r>
+            <a:r>
+              <a:rPr lang="zh-CN" altLang="en-US">
+                <a:solidFill>
+                  <a:schemeClr val="bg1"/>
+                </a:solidFill>
+                <a:sym typeface="+mn-ea"/>
+              </a:rPr>
+              <a:t>、</a:t>
+            </a:r>
+            <a:r>
+              <a:rPr lang="en-US" altLang="zh-CN">
+                <a:solidFill>
+                  <a:schemeClr val="bg1"/>
+                </a:solidFill>
+                <a:sym typeface="+mn-ea"/>
+              </a:rPr>
+              <a:t>GIS</a:t>
+            </a:r>
+            <a:r>
+              <a:rPr lang="zh-CN" altLang="en-US">
+                <a:solidFill>
+                  <a:schemeClr val="bg1"/>
+                </a:solidFill>
+                <a:sym typeface="+mn-ea"/>
+              </a:rPr>
+              <a:t>等</a:t>
+            </a:r>
+            <a:r>
+              <a:rPr lang="zh-CN" altLang="en-US">
+                <a:solidFill>
+                  <a:schemeClr val="bg1"/>
+                </a:solidFill>
+                <a:sym typeface="+mn-ea"/>
+              </a:rPr>
+              <a:t>）</a:t>
+            </a:r>
+            <a:endParaRPr lang="zh-CN" altLang="en-US">
+              <a:solidFill>
+                <a:schemeClr val="bg1"/>
+              </a:solidFill>
+              <a:sym typeface="+mn-ea"/>
+            </a:endParaRPr>
+          </a:p>
+          <a:p>
+            <a:pPr algn="l"/>
+            <a:r>
+              <a:rPr lang="en-US" altLang="zh-CN">
+                <a:solidFill>
+                  <a:schemeClr val="bg1"/>
+                </a:solidFill>
+                <a:sym typeface="+mn-ea"/>
+              </a:rPr>
+              <a:t>Juster.XXX - </a:t>
+            </a:r>
+            <a:r>
+              <a:rPr lang="zh-CN" altLang="en-US">
+                <a:solidFill>
+                  <a:schemeClr val="bg1"/>
+                </a:solidFill>
+                <a:sym typeface="+mn-ea"/>
+              </a:rPr>
+              <a:t>拆分出来的新模块业务来命名</a:t>
+            </a:r>
+            <a:endParaRPr lang="en-US" altLang="zh-CN">
+              <a:solidFill>
+                <a:schemeClr val="bg1"/>
+              </a:solidFill>
+              <a:sym typeface="+mn-ea"/>
+            </a:endParaRPr>
+          </a:p>
+          <a:p>
+            <a:pPr algn="l"/>
+            <a:r>
+              <a:rPr lang="en-US" altLang="zh-CN">
+                <a:solidFill>
+                  <a:schemeClr val="bg1"/>
+                </a:solidFill>
+                <a:sym typeface="+mn-ea"/>
+              </a:rPr>
+              <a:t>Juster.Controls - </a:t>
+            </a:r>
+            <a:r>
+              <a:rPr lang="zh-CN" altLang="en-US">
+                <a:solidFill>
+                  <a:schemeClr val="bg1"/>
+                </a:solidFill>
+                <a:sym typeface="+mn-ea"/>
+              </a:rPr>
+              <a:t>控件库（自定义控件的封装可供多处使用）</a:t>
+            </a:r>
+            <a:endParaRPr lang="zh-CN" altLang="en-US">
+              <a:solidFill>
+                <a:schemeClr val="bg1"/>
+              </a:solidFill>
+              <a:sym typeface="+mn-ea"/>
+            </a:endParaRPr>
+          </a:p>
+          <a:p>
+            <a:pPr algn="l"/>
+            <a:r>
+              <a:rPr lang="en-US" altLang="zh-CN">
+                <a:solidFill>
+                  <a:schemeClr val="bg1"/>
+                </a:solidFill>
+                <a:sym typeface="+mn-ea"/>
+              </a:rPr>
+              <a:t>Juster.Common - </a:t>
+            </a:r>
+            <a:r>
+              <a:rPr lang="zh-CN" altLang="en-US">
+                <a:solidFill>
+                  <a:schemeClr val="bg1"/>
+                </a:solidFill>
+                <a:sym typeface="+mn-ea"/>
+              </a:rPr>
+              <a:t>公共库（封装好的一些方法，整个解决方案都会用到的都放这里）</a:t>
+            </a:r>
+            <a:endParaRPr lang="zh-CN" altLang="en-US">
+              <a:solidFill>
+                <a:schemeClr val="bg1"/>
+              </a:solidFill>
+              <a:sym typeface="+mn-ea"/>
+            </a:endParaRPr>
+          </a:p>
+          <a:p>
+            <a:pPr algn="l"/>
+            <a:r>
+              <a:rPr lang="en-US" altLang="zh-CN">
+                <a:solidFill>
+                  <a:schemeClr val="bg1"/>
+                </a:solidFill>
+                <a:sym typeface="+mn-ea"/>
+              </a:rPr>
+              <a:t>Juster.Logger - </a:t>
+            </a:r>
+            <a:r>
+              <a:rPr lang="zh-CN" altLang="en-US">
+                <a:solidFill>
+                  <a:schemeClr val="bg1"/>
+                </a:solidFill>
+                <a:sym typeface="+mn-ea"/>
+              </a:rPr>
+              <a:t>日志库</a:t>
+            </a:r>
+            <a:endParaRPr lang="zh-CN" altLang="en-US">
+              <a:solidFill>
+                <a:schemeClr val="bg1"/>
+              </a:solidFill>
+              <a:sym typeface="+mn-ea"/>
+            </a:endParaRPr>
+          </a:p>
+          <a:p>
+            <a:pPr algn="l"/>
+            <a:r>
+              <a:rPr lang="en-US" altLang="zh-CN">
+                <a:solidFill>
+                  <a:schemeClr val="bg1"/>
+                </a:solidFill>
+                <a:sym typeface="+mn-ea"/>
+              </a:rPr>
+              <a:t>Juster.DAL - </a:t>
+            </a:r>
+            <a:r>
+              <a:rPr lang="zh-CN" altLang="en-US">
+                <a:solidFill>
+                  <a:schemeClr val="bg1"/>
+                </a:solidFill>
+                <a:sym typeface="+mn-ea"/>
+              </a:rPr>
+              <a:t>数据访问层 （一些访问</a:t>
+            </a:r>
+            <a:r>
+              <a:rPr lang="en-US" altLang="zh-CN">
+                <a:solidFill>
+                  <a:schemeClr val="bg1"/>
+                </a:solidFill>
+                <a:sym typeface="+mn-ea"/>
+              </a:rPr>
+              <a:t>web api</a:t>
+            </a:r>
+            <a:r>
+              <a:rPr lang="zh-CN" altLang="en-US">
+                <a:solidFill>
+                  <a:schemeClr val="bg1"/>
+                </a:solidFill>
+                <a:sym typeface="+mn-ea"/>
+              </a:rPr>
+              <a:t>的</a:t>
+            </a:r>
+            <a:r>
+              <a:rPr lang="en-US" altLang="zh-CN">
+                <a:solidFill>
+                  <a:schemeClr val="bg1"/>
+                </a:solidFill>
+                <a:sym typeface="+mn-ea"/>
+              </a:rPr>
+              <a:t>service</a:t>
+            </a:r>
+            <a:r>
+              <a:rPr lang="zh-CN" altLang="en-US">
+                <a:solidFill>
+                  <a:schemeClr val="bg1"/>
+                </a:solidFill>
+                <a:sym typeface="+mn-ea"/>
+              </a:rPr>
+              <a:t>、</a:t>
+            </a:r>
+            <a:r>
+              <a:rPr lang="en-US" altLang="zh-CN">
+                <a:solidFill>
+                  <a:schemeClr val="bg1"/>
+                </a:solidFill>
+                <a:sym typeface="+mn-ea"/>
+              </a:rPr>
+              <a:t>DTO</a:t>
+            </a:r>
+            <a:r>
+              <a:rPr lang="zh-CN" altLang="en-US">
+                <a:solidFill>
+                  <a:schemeClr val="bg1"/>
+                </a:solidFill>
+                <a:sym typeface="+mn-ea"/>
+              </a:rPr>
+              <a:t>实体类</a:t>
+            </a:r>
+            <a:r>
+              <a:rPr lang="zh-CN" altLang="en-US">
+                <a:solidFill>
+                  <a:schemeClr val="bg1"/>
+                </a:solidFill>
+                <a:sym typeface="+mn-ea"/>
+              </a:rPr>
+              <a:t>可以写到这里）</a:t>
+            </a:r>
+            <a:endParaRPr lang="zh-CN" altLang="en-US">
+              <a:solidFill>
+                <a:schemeClr val="bg1"/>
+              </a:solidFill>
+              <a:sym typeface="+mn-ea"/>
+            </a:endParaRPr>
+          </a:p>
+          <a:p>
+            <a:pPr algn="l"/>
+            <a:r>
+              <a:rPr lang="en-US" altLang="zh-CN">
+                <a:solidFill>
+                  <a:schemeClr val="bg1"/>
+                </a:solidFill>
+                <a:sym typeface="+mn-ea"/>
+              </a:rPr>
+              <a:t>......</a:t>
+            </a:r>
+            <a:endParaRPr lang="zh-CN" altLang="en-US">
+              <a:solidFill>
+                <a:schemeClr val="bg1"/>
+              </a:solidFill>
+              <a:sym typeface="+mn-ea"/>
+            </a:endParaRPr>
+          </a:p>
+          <a:p>
+            <a:pPr algn="l"/>
+            <a:r>
+              <a:rPr lang="zh-CN" altLang="en-US">
+                <a:solidFill>
+                  <a:schemeClr val="bg1"/>
+                </a:solidFill>
+                <a:sym typeface="+mn-ea"/>
+              </a:rPr>
+              <a:t>可能会因为业务场景添加其他的库不完全固定，但是不管怎么变以上的几块跑不掉</a:t>
+            </a:r>
+            <a:endParaRPr lang="zh-CN" altLang="en-US">
+              <a:solidFill>
+                <a:schemeClr val="bg1"/>
+              </a:solidFill>
+              <a:sym typeface="+mn-ea"/>
+            </a:endParaRPr>
           </a:p>
         </p:txBody>
       </p:sp>
@@ -3758,6 +4325,413 @@
     <a:masterClrMapping/>
   </p:clrMapOvr>
 </p:sld>
+</file>
+
+<file path=ppt/slides/slide4.xml><?xml version="1.0" encoding="utf-8"?>
+<p:sld xmlns:a="http://schemas.openxmlformats.org/drawingml/2006/main" xmlns:r="http://schemas.openxmlformats.org/officeDocument/2006/relationships" xmlns:p="http://schemas.openxmlformats.org/presentationml/2006/main">
+  <p:cSld>
+    <p:spTree>
+      <p:nvGrpSpPr>
+        <p:cNvPr id="1" name=""/>
+        <p:cNvGrpSpPr/>
+        <p:nvPr/>
+      </p:nvGrpSpPr>
+      <p:grpSpPr/>
+      <p:pic>
+        <p:nvPicPr>
+          <p:cNvPr id="2" name="图片 1"/>
+          <p:cNvPicPr>
+            <a:picLocks noChangeAspect="1"/>
+          </p:cNvPicPr>
+          <p:nvPr>
+            <p:custDataLst>
+              <p:tags r:id="rId1"/>
+            </p:custDataLst>
+          </p:nvPr>
+        </p:nvPicPr>
+        <p:blipFill>
+          <a:blip r:embed="rId2"/>
+          <a:stretch>
+            <a:fillRect/>
+          </a:stretch>
+        </p:blipFill>
+        <p:spPr>
+          <a:xfrm>
+            <a:off x="2793365" y="1688465"/>
+            <a:ext cx="7556500" cy="4251325"/>
+          </a:xfrm>
+          <a:prstGeom prst="rect">
+            <a:avLst/>
+          </a:prstGeom>
+        </p:spPr>
+      </p:pic>
+      <p:sp>
+        <p:nvSpPr>
+          <p:cNvPr id="3" name="文本框 2"/>
+          <p:cNvSpPr txBox="1"/>
+          <p:nvPr/>
+        </p:nvSpPr>
+        <p:spPr>
+          <a:xfrm>
+            <a:off x="379730" y="478790"/>
+            <a:ext cx="5134610" cy="922020"/>
+          </a:xfrm>
+          <a:prstGeom prst="rect">
+            <a:avLst/>
+          </a:prstGeom>
+          <a:noFill/>
+        </p:spPr>
+        <p:txBody>
+          <a:bodyPr wrap="square" rtlCol="0" anchor="t">
+            <a:spAutoFit/>
+          </a:bodyPr>
+          <a:p>
+            <a:r>
+              <a:rPr lang="zh-CN" altLang="en-US">
+                <a:solidFill>
+                  <a:schemeClr val="bg1"/>
+                </a:solidFill>
+                <a:sym typeface="+mn-ea"/>
+              </a:rPr>
+              <a:t>二、基础设计</a:t>
+            </a:r>
+            <a:endParaRPr lang="zh-CN" altLang="en-US">
+              <a:solidFill>
+                <a:schemeClr val="bg1"/>
+              </a:solidFill>
+            </a:endParaRPr>
+          </a:p>
+          <a:p>
+            <a:r>
+              <a:rPr lang="zh-CN" altLang="en-US">
+                <a:solidFill>
+                  <a:schemeClr val="bg1"/>
+                </a:solidFill>
+                <a:sym typeface="+mn-ea"/>
+              </a:rPr>
+              <a:t>           一款客户端应用程序我们该如何去设计。</a:t>
+            </a:r>
+            <a:endParaRPr lang="zh-CN" altLang="en-US">
+              <a:solidFill>
+                <a:schemeClr val="bg1"/>
+              </a:solidFill>
+              <a:sym typeface="+mn-ea"/>
+            </a:endParaRPr>
+          </a:p>
+          <a:p>
+            <a:endParaRPr lang="zh-CN" altLang="en-US"/>
+          </a:p>
+        </p:txBody>
+      </p:sp>
+    </p:spTree>
+  </p:cSld>
+  <p:clrMapOvr>
+    <a:masterClrMapping/>
+  </p:clrMapOvr>
+</p:sld>
+</file>
+
+<file path=ppt/slides/slide5.xml><?xml version="1.0" encoding="utf-8"?>
+<p:sld xmlns:a="http://schemas.openxmlformats.org/drawingml/2006/main" xmlns:r="http://schemas.openxmlformats.org/officeDocument/2006/relationships" xmlns:p="http://schemas.openxmlformats.org/presentationml/2006/main">
+  <p:cSld>
+    <p:spTree>
+      <p:nvGrpSpPr>
+        <p:cNvPr id="1" name=""/>
+        <p:cNvGrpSpPr/>
+        <p:nvPr/>
+      </p:nvGrpSpPr>
+      <p:grpSpPr/>
+      <p:sp>
+        <p:nvSpPr>
+          <p:cNvPr id="5" name="文本框 4"/>
+          <p:cNvSpPr txBox="1"/>
+          <p:nvPr/>
+        </p:nvSpPr>
+        <p:spPr>
+          <a:xfrm>
+            <a:off x="361315" y="271780"/>
+            <a:ext cx="8694420" cy="1198880"/>
+          </a:xfrm>
+          <a:prstGeom prst="rect">
+            <a:avLst/>
+          </a:prstGeom>
+          <a:noFill/>
+        </p:spPr>
+        <p:txBody>
+          <a:bodyPr wrap="square" rtlCol="0" anchor="t">
+            <a:spAutoFit/>
+          </a:bodyPr>
+          <a:p>
+            <a:r>
+              <a:rPr lang="zh-CN" altLang="en-US">
+                <a:solidFill>
+                  <a:schemeClr val="bg1"/>
+                </a:solidFill>
+                <a:sym typeface="+mn-ea"/>
+              </a:rPr>
+              <a:t>三、</a:t>
+            </a:r>
+            <a:r>
+              <a:rPr lang="en-US" altLang="zh-CN">
+                <a:solidFill>
+                  <a:schemeClr val="bg1"/>
+                </a:solidFill>
+                <a:sym typeface="+mn-ea"/>
+              </a:rPr>
+              <a:t>Nuget</a:t>
+            </a:r>
+            <a:r>
+              <a:rPr lang="zh-CN" altLang="en-US">
+                <a:solidFill>
+                  <a:schemeClr val="bg1"/>
+                </a:solidFill>
+                <a:sym typeface="+mn-ea"/>
+              </a:rPr>
+              <a:t>的使用</a:t>
+            </a:r>
+            <a:endParaRPr lang="zh-CN" altLang="en-US">
+              <a:solidFill>
+                <a:schemeClr val="bg1"/>
+              </a:solidFill>
+            </a:endParaRPr>
+          </a:p>
+          <a:p>
+            <a:r>
+              <a:rPr lang="zh-CN" altLang="en-US">
+                <a:solidFill>
+                  <a:schemeClr val="bg1"/>
+                </a:solidFill>
+                <a:sym typeface="+mn-ea"/>
+              </a:rPr>
+              <a:t>          在日常开发当中难免会用到一些复杂的操作或功能这个时候时间不够自己去重新写一个，这时候可以考虑用第三方的库，那么在哪里才能找到第三方的库且免责呢？</a:t>
+            </a:r>
+            <a:r>
+              <a:rPr lang="en-US" altLang="zh-CN">
+                <a:solidFill>
+                  <a:schemeClr val="bg1"/>
+                </a:solidFill>
+                <a:sym typeface="+mn-ea"/>
+              </a:rPr>
+              <a:t>visual studio</a:t>
+            </a:r>
+            <a:r>
+              <a:rPr lang="zh-CN" altLang="en-US">
+                <a:solidFill>
+                  <a:schemeClr val="bg1"/>
+                </a:solidFill>
+                <a:sym typeface="+mn-ea"/>
+              </a:rPr>
+              <a:t>里就提供了一个叫</a:t>
+            </a:r>
+            <a:r>
+              <a:rPr lang="en-US" altLang="zh-CN">
+                <a:solidFill>
+                  <a:schemeClr val="bg1"/>
+                </a:solidFill>
+                <a:sym typeface="+mn-ea"/>
+              </a:rPr>
+              <a:t>nuget</a:t>
+            </a:r>
+            <a:r>
+              <a:rPr lang="zh-CN" altLang="en-US">
+                <a:solidFill>
+                  <a:schemeClr val="bg1"/>
+                </a:solidFill>
+                <a:sym typeface="+mn-ea"/>
+              </a:rPr>
+              <a:t>的服务以帮助我们下载开源的第三方库。</a:t>
+            </a:r>
+            <a:endParaRPr lang="zh-CN">
+              <a:solidFill>
+                <a:schemeClr val="bg1"/>
+              </a:solidFill>
+            </a:endParaRPr>
+          </a:p>
+        </p:txBody>
+      </p:sp>
+      <p:pic>
+        <p:nvPicPr>
+          <p:cNvPr id="2" name="图片 1"/>
+          <p:cNvPicPr>
+            <a:picLocks noChangeAspect="1"/>
+          </p:cNvPicPr>
+          <p:nvPr/>
+        </p:nvPicPr>
+        <p:blipFill>
+          <a:blip r:embed="rId1"/>
+          <a:stretch>
+            <a:fillRect/>
+          </a:stretch>
+        </p:blipFill>
+        <p:spPr>
+          <a:xfrm>
+            <a:off x="809625" y="1800225"/>
+            <a:ext cx="3035300" cy="4714240"/>
+          </a:xfrm>
+          <a:prstGeom prst="rect">
+            <a:avLst/>
+          </a:prstGeom>
+        </p:spPr>
+      </p:pic>
+      <p:pic>
+        <p:nvPicPr>
+          <p:cNvPr id="3" name="图片 2"/>
+          <p:cNvPicPr>
+            <a:picLocks noChangeAspect="1"/>
+          </p:cNvPicPr>
+          <p:nvPr/>
+        </p:nvPicPr>
+        <p:blipFill>
+          <a:blip r:embed="rId2"/>
+          <a:stretch>
+            <a:fillRect/>
+          </a:stretch>
+        </p:blipFill>
+        <p:spPr>
+          <a:xfrm>
+            <a:off x="5352415" y="2370455"/>
+            <a:ext cx="5011420" cy="3165475"/>
+          </a:xfrm>
+          <a:prstGeom prst="rect">
+            <a:avLst/>
+          </a:prstGeom>
+        </p:spPr>
+      </p:pic>
+    </p:spTree>
+  </p:cSld>
+  <p:clrMapOvr>
+    <a:masterClrMapping/>
+  </p:clrMapOvr>
+</p:sld>
+</file>
+
+<file path=ppt/slides/slide6.xml><?xml version="1.0" encoding="utf-8"?>
+<p:sld xmlns:a="http://schemas.openxmlformats.org/drawingml/2006/main" xmlns:r="http://schemas.openxmlformats.org/officeDocument/2006/relationships" xmlns:p="http://schemas.openxmlformats.org/presentationml/2006/main">
+  <p:cSld>
+    <p:spTree>
+      <p:nvGrpSpPr>
+        <p:cNvPr id="1" name=""/>
+        <p:cNvGrpSpPr/>
+        <p:nvPr/>
+      </p:nvGrpSpPr>
+      <p:grpSpPr/>
+      <p:sp>
+        <p:nvSpPr>
+          <p:cNvPr id="2" name="文本框 1"/>
+          <p:cNvSpPr txBox="1"/>
+          <p:nvPr/>
+        </p:nvSpPr>
+        <p:spPr>
+          <a:xfrm>
+            <a:off x="2942590" y="3106420"/>
+            <a:ext cx="6306185" cy="645160"/>
+          </a:xfrm>
+          <a:prstGeom prst="rect">
+            <a:avLst/>
+          </a:prstGeom>
+          <a:noFill/>
+        </p:spPr>
+        <p:txBody>
+          <a:bodyPr wrap="square" rtlCol="0" anchor="t">
+            <a:spAutoFit/>
+          </a:bodyPr>
+          <a:p>
+            <a:r>
+              <a:rPr lang="zh-CN" altLang="en-US">
+                <a:solidFill>
+                  <a:schemeClr val="bg1"/>
+                </a:solidFill>
+                <a:sym typeface="+mn-ea"/>
+              </a:rPr>
+              <a:t>四、实战</a:t>
+            </a:r>
+            <a:endParaRPr lang="zh-CN" altLang="en-US">
+              <a:solidFill>
+                <a:schemeClr val="bg1"/>
+              </a:solidFill>
+            </a:endParaRPr>
+          </a:p>
+          <a:p>
+            <a:r>
+              <a:rPr lang="zh-CN" altLang="en-US">
+                <a:solidFill>
+                  <a:schemeClr val="bg1"/>
+                </a:solidFill>
+                <a:sym typeface="+mn-ea"/>
+              </a:rPr>
+              <a:t>          完成一个具有播放器基础功能的项目。</a:t>
+            </a:r>
+            <a:endParaRPr lang="zh-CN" altLang="en-US"/>
+          </a:p>
+        </p:txBody>
+      </p:sp>
+    </p:spTree>
+  </p:cSld>
+  <p:clrMapOvr>
+    <a:masterClrMapping/>
+  </p:clrMapOvr>
+</p:sld>
+</file>
+
+<file path=ppt/slides/slide7.xml><?xml version="1.0" encoding="utf-8"?>
+<p:sld xmlns:a="http://schemas.openxmlformats.org/drawingml/2006/main" xmlns:r="http://schemas.openxmlformats.org/officeDocument/2006/relationships" xmlns:p="http://schemas.openxmlformats.org/presentationml/2006/main">
+  <p:cSld>
+    <p:spTree>
+      <p:nvGrpSpPr>
+        <p:cNvPr id="1" name=""/>
+        <p:cNvGrpSpPr/>
+        <p:nvPr/>
+      </p:nvGrpSpPr>
+      <p:grpSpPr/>
+      <p:sp>
+        <p:nvSpPr>
+          <p:cNvPr id="5" name="文本框 4"/>
+          <p:cNvSpPr txBox="1"/>
+          <p:nvPr/>
+        </p:nvSpPr>
+        <p:spPr>
+          <a:xfrm>
+            <a:off x="4889500" y="3407410"/>
+            <a:ext cx="2578735" cy="368300"/>
+          </a:xfrm>
+          <a:prstGeom prst="rect">
+            <a:avLst/>
+          </a:prstGeom>
+          <a:noFill/>
+        </p:spPr>
+        <p:txBody>
+          <a:bodyPr wrap="square" rtlCol="0" anchor="t">
+            <a:spAutoFit/>
+          </a:bodyPr>
+          <a:p>
+            <a:r>
+              <a:rPr lang="zh-CN">
+                <a:solidFill>
+                  <a:schemeClr val="bg1"/>
+                </a:solidFill>
+              </a:rPr>
+              <a:t>完结，谢谢各位的支持。</a:t>
+            </a:r>
+            <a:endParaRPr lang="zh-CN">
+              <a:solidFill>
+                <a:schemeClr val="bg1"/>
+              </a:solidFill>
+            </a:endParaRPr>
+          </a:p>
+        </p:txBody>
+      </p:sp>
+    </p:spTree>
+  </p:cSld>
+  <p:clrMapOvr>
+    <a:masterClrMapping/>
+  </p:clrMapOvr>
+</p:sld>
+</file>
+
+<file path=ppt/tags/tag1.xml><?xml version="1.0" encoding="utf-8"?>
+<p:tagLst xmlns:p="http://schemas.openxmlformats.org/presentationml/2006/main">
+  <p:tag name="KSO_WM_UNIT_PLACING_PICTURE_USER_VIEWPORT" val="{&quot;height&quot;:6750,&quot;width&quot;:12000}"/>
+</p:tagLst>
 </file>
 
 <file path=ppt/theme/theme1.xml><?xml version="1.0" encoding="utf-8"?>
@@ -4011,8 +4985,6 @@
       </a:bgFillStyleLst>
     </a:fmtScheme>
   </a:themeElements>
-  <a:objectDefaults/>
-  <a:extraClrSchemeLst/>
   <a:extLst>
     <a:ext uri="{05A4C25C-085E-4340-85A3-A5531E510DB2}">
       <thm15:themeFamily xmlns:thm15="http://schemas.microsoft.com/office/thememl/2012/main" name="Office Theme" id="{62F939B6-93AF-4DB8-9C6B-D6C7DFDC589F}" vid="{4A3C46E8-61CC-4603-A589-7422A47A8E4A}"/>
@@ -4272,8 +5244,6 @@
       </a:bgFillStyleLst>
     </a:fmtScheme>
   </a:themeElements>
-  <a:objectDefaults/>
-  <a:extraClrSchemeLst/>
   <a:extLst>
     <a:ext uri="{05A4C25C-085E-4340-85A3-A5531E510DB2}">
       <thm15:themeFamily xmlns:thm15="http://schemas.microsoft.com/office/thememl/2012/main" name="Office Theme" id="{62F939B6-93AF-4DB8-9C6B-D6C7DFDC589F}" vid="{4A3C46E8-61CC-4603-A589-7422A47A8E4A}"/>
